--- a/sa/文档/2018 软件体系结构（8）：适配器模式.pptx
+++ b/sa/文档/2018 软件体系结构（8）：适配器模式.pptx
@@ -2890,24 +2890,59 @@
           </a:p>
         </p:txBody>
       </p:sp>
-      <p:sp>
-        <p:nvSpPr>
-          <p:cNvPr id="3" name="内容占位符 2"/>
-          <p:cNvSpPr>
-            <a:spLocks noGrp="1"/>
-          </p:cNvSpPr>
+      <p:graphicFrame>
+        <p:nvGraphicFramePr>
+          <p:cNvPr id="4" name="内容占位符 3"/>
+          <p:cNvGraphicFramePr>
+            <a:graphicFrameLocks noChangeAspect="1"/>
+          </p:cNvGraphicFramePr>
           <p:nvPr>
             <p:ph idx="1"/>
           </p:nvPr>
-        </p:nvSpPr>
-        <p:spPr/>
-        <p:txBody>
-          <a:bodyPr/>
-          <a:p>
-            <a:endParaRPr lang="zh-CN" altLang="en-US"/>
-          </a:p>
-        </p:txBody>
-      </p:sp>
+        </p:nvGraphicFramePr>
+        <p:xfrm>
+          <a:off x="3551555" y="1825625"/>
+          <a:ext cx="5087620" cy="4351655"/>
+        </p:xfrm>
+        <a:graphic>
+          <a:graphicData uri="http://schemas.openxmlformats.org/presentationml/2006/ole">
+            <mc:AlternateContent xmlns:mc="http://schemas.openxmlformats.org/markup-compatibility/2006">
+              <mc:Choice xmlns:v="urn:schemas-microsoft-com:vml" Requires="v">
+                <p:oleObj spid="_x0000_s5" name="" r:id="rId1" imgW="5914390" imgH="5058410" progId="Visio.Drawing.15">
+                  <p:embed/>
+                </p:oleObj>
+              </mc:Choice>
+              <mc:Fallback>
+                <p:oleObj name="" r:id="rId1" imgW="5914390" imgH="5058410" progId="Visio.Drawing.15">
+                  <p:embed/>
+                  <p:pic>
+                    <p:nvPicPr>
+                      <p:cNvPr id="0" name="图片 4"/>
+                      <p:cNvPicPr/>
+                      <p:nvPr/>
+                    </p:nvPicPr>
+                    <p:blipFill>
+                      <a:blip r:embed="rId2"/>
+                      <a:stretch>
+                        <a:fillRect/>
+                      </a:stretch>
+                    </p:blipFill>
+                    <p:spPr>
+                      <a:xfrm>
+                        <a:off x="3551555" y="1825625"/>
+                        <a:ext cx="5087620" cy="4351655"/>
+                      </a:xfrm>
+                      <a:prstGeom prst="rect">
+                        <a:avLst/>
+                      </a:prstGeom>
+                    </p:spPr>
+                  </p:pic>
+                </p:oleObj>
+              </mc:Fallback>
+            </mc:AlternateContent>
+          </a:graphicData>
+        </a:graphic>
+      </p:graphicFrame>
     </p:spTree>
   </p:cSld>
   <p:clrMapOvr>
